--- a/djangoISSSTE/static/ppt/balance_accion.pptx
+++ b/djangoISSSTE/static/ppt/balance_accion.pptx
@@ -5,8 +5,8 @@
     <p:sldMasterId id="2147483648" r:id="rId1"/>
   </p:sldMasterIdLst>
   <p:sldIdLst>
-    <p:sldId id="257" r:id="rId2"/>
-    <p:sldId id="258" r:id="rId3"/>
+    <p:sldId id="258" r:id="rId2"/>
+    <p:sldId id="259" r:id="rId3"/>
   </p:sldIdLst>
   <p:sldSz cx="12192000" cy="6858000"/>
   <p:notesSz cx="6858000" cy="9144000"/>
@@ -580,7 +580,7 @@
           <a:p>
             <a:fld id="{02329761-4139-EC4D-8014-1F5D651A2AAB}" type="datetimeFigureOut">
               <a:rPr lang="es-ES_tradnl" smtClean="0"/>
-              <a:t>16/05/16</a:t>
+              <a:t>23/05/16</a:t>
             </a:fld>
             <a:endParaRPr lang="es-ES_tradnl"/>
           </a:p>
@@ -776,7 +776,7 @@
           <a:p>
             <a:fld id="{02329761-4139-EC4D-8014-1F5D651A2AAB}" type="datetimeFigureOut">
               <a:rPr lang="es-ES_tradnl" smtClean="0"/>
-              <a:t>16/05/16</a:t>
+              <a:t>23/05/16</a:t>
             </a:fld>
             <a:endParaRPr lang="es-ES_tradnl"/>
           </a:p>
@@ -1340,7 +1340,7 @@
           <a:p>
             <a:fld id="{02329761-4139-EC4D-8014-1F5D651A2AAB}" type="datetimeFigureOut">
               <a:rPr lang="es-ES_tradnl" smtClean="0"/>
-              <a:t>16/05/16</a:t>
+              <a:t>23/05/16</a:t>
             </a:fld>
             <a:endParaRPr lang="es-ES_tradnl"/>
           </a:p>
@@ -1588,7 +1588,7 @@
           <a:p>
             <a:fld id="{02329761-4139-EC4D-8014-1F5D651A2AAB}" type="datetimeFigureOut">
               <a:rPr lang="es-ES_tradnl" smtClean="0"/>
-              <a:t>16/05/16</a:t>
+              <a:t>23/05/16</a:t>
             </a:fld>
             <a:endParaRPr lang="es-ES_tradnl"/>
           </a:p>
@@ -1971,7 +1971,7 @@
           <a:p>
             <a:fld id="{02329761-4139-EC4D-8014-1F5D651A2AAB}" type="datetimeFigureOut">
               <a:rPr lang="es-ES_tradnl" smtClean="0"/>
-              <a:t>16/05/16</a:t>
+              <a:t>23/05/16</a:t>
             </a:fld>
             <a:endParaRPr lang="es-ES_tradnl"/>
           </a:p>
@@ -2105,7 +2105,7 @@
           <a:p>
             <a:fld id="{02329761-4139-EC4D-8014-1F5D651A2AAB}" type="datetimeFigureOut">
               <a:rPr lang="es-ES_tradnl" smtClean="0"/>
-              <a:t>16/05/16</a:t>
+              <a:t>23/05/16</a:t>
             </a:fld>
             <a:endParaRPr lang="es-ES_tradnl"/>
           </a:p>
@@ -2216,7 +2216,7 @@
           <a:p>
             <a:fld id="{02329761-4139-EC4D-8014-1F5D651A2AAB}" type="datetimeFigureOut">
               <a:rPr lang="es-ES_tradnl" smtClean="0"/>
-              <a:t>16/05/16</a:t>
+              <a:t>23/05/16</a:t>
             </a:fld>
             <a:endParaRPr lang="es-ES_tradnl"/>
           </a:p>
@@ -2509,7 +2509,7 @@
           <a:p>
             <a:fld id="{02329761-4139-EC4D-8014-1F5D651A2AAB}" type="datetimeFigureOut">
               <a:rPr lang="es-ES_tradnl" smtClean="0"/>
-              <a:t>16/05/16</a:t>
+              <a:t>23/05/16</a:t>
             </a:fld>
             <a:endParaRPr lang="es-ES_tradnl"/>
           </a:p>
@@ -2778,7 +2778,7 @@
           <a:p>
             <a:fld id="{02329761-4139-EC4D-8014-1F5D651A2AAB}" type="datetimeFigureOut">
               <a:rPr lang="es-ES_tradnl" smtClean="0"/>
-              <a:t>16/05/16</a:t>
+              <a:t>23/05/16</a:t>
             </a:fld>
             <a:endParaRPr lang="es-ES_tradnl"/>
           </a:p>
@@ -2935,39 +2935,6 @@
           </a:ln>
         </p:spPr>
       </p:pic>
-      <p:pic>
-        <p:nvPicPr>
-          <p:cNvPr id="7" name="Imagen 6" descr="/Users/jess/Dropbox/ISSSTE/propuestas de header/header_003.fw.png"/>
-          <p:cNvPicPr/>
-          <p:nvPr userDrawn="1"/>
-        </p:nvPicPr>
-        <p:blipFill>
-          <a:blip r:embed="rId15" cstate="print">
-            <a:extLst>
-              <a:ext uri="{28A0092B-C50C-407E-A947-70E740481C1C}">
-                <a14:useLocalDpi xmlns:a14="http://schemas.microsoft.com/office/drawing/2010/main" val="0"/>
-              </a:ext>
-            </a:extLst>
-          </a:blip>
-          <a:srcRect/>
-          <a:stretch>
-            <a:fillRect/>
-          </a:stretch>
-        </p:blipFill>
-        <p:spPr bwMode="auto">
-          <a:xfrm>
-            <a:off x="0" y="-53573"/>
-            <a:ext cx="12192000" cy="813970"/>
-          </a:xfrm>
-          <a:prstGeom prst="rect">
-            <a:avLst/>
-          </a:prstGeom>
-          <a:noFill/>
-          <a:ln>
-            <a:noFill/>
-          </a:ln>
-        </p:spPr>
-      </p:pic>
       <p:sp>
         <p:nvSpPr>
           <p:cNvPr id="2" name="Marcador de título 1"/>
@@ -3163,7 +3130,7 @@
           <p:nvPr userDrawn="1"/>
         </p:nvPicPr>
         <p:blipFill>
-          <a:blip r:embed="rId16">
+          <a:blip r:embed="rId15">
             <a:extLst>
               <a:ext uri="{28A0092B-C50C-407E-A947-70E740481C1C}">
                 <a14:useLocalDpi xmlns:a14="http://schemas.microsoft.com/office/drawing/2010/main" val="0"/>
@@ -3177,7 +3144,7 @@
         </p:blipFill>
         <p:spPr bwMode="auto">
           <a:xfrm>
-            <a:off x="257490" y="28201"/>
+            <a:off x="257490" y="60859"/>
             <a:ext cx="1069975" cy="405130"/>
           </a:xfrm>
           <a:prstGeom prst="rect">
@@ -3254,6 +3221,47 @@
           </a:p>
         </p:txBody>
       </p:sp>
+      <p:pic>
+        <p:nvPicPr>
+          <p:cNvPr id="1026" name="Picture 2" descr="C:\Users\Pam\Dropbox\ISSSTE_share\Imagenes\001_gradienteMenu.fw.png"/>
+          <p:cNvPicPr>
+            <a:picLocks noChangeAspect="1" noChangeArrowheads="1"/>
+          </p:cNvPicPr>
+          <p:nvPr userDrawn="1"/>
+        </p:nvPicPr>
+        <p:blipFill>
+          <a:blip r:embed="rId16">
+            <a:extLst>
+              <a:ext uri="{28A0092B-C50C-407E-A947-70E740481C1C}">
+                <a14:useLocalDpi xmlns:a14="http://schemas.microsoft.com/office/drawing/2010/main" val="0"/>
+              </a:ext>
+            </a:extLst>
+          </a:blip>
+          <a:srcRect/>
+          <a:stretch>
+            <a:fillRect/>
+          </a:stretch>
+        </p:blipFill>
+        <p:spPr bwMode="auto">
+          <a:xfrm>
+            <a:off x="0" y="532114"/>
+            <a:ext cx="12192000" cy="381000"/>
+          </a:xfrm>
+          <a:prstGeom prst="rect">
+            <a:avLst/>
+          </a:prstGeom>
+          <a:noFill/>
+          <a:extLst>
+            <a:ext uri="{909E8E84-426E-40dd-AFC4-6F175D3DCCD1}">
+              <a14:hiddenFill xmlns:a14="http://schemas.microsoft.com/office/drawing/2010/main">
+                <a:solidFill>
+                  <a:srgbClr val="FFFFFF"/>
+                </a:solidFill>
+              </a14:hiddenFill>
+            </a:ext>
+          </a:extLst>
+        </p:spPr>
+      </p:pic>
     </p:spTree>
     <p:extLst>
       <p:ext uri="{BB962C8B-B14F-4D97-AF65-F5344CB8AC3E}">
@@ -3584,7 +3592,7 @@
           <p:nvPr>
             <p:extLst>
               <p:ext uri="{D42A27DB-BD31-4B8C-83A1-F6EECF244321}">
-                <p14:modId xmlns:p14="http://schemas.microsoft.com/office/powerpoint/2010/main" val="1127170360"/>
+                <p14:modId xmlns:p14="http://schemas.microsoft.com/office/powerpoint/2010/main" val="2649464138"/>
               </p:ext>
             </p:extLst>
           </p:nvPr>
@@ -6830,7 +6838,7 @@
     </p:spTree>
     <p:extLst>
       <p:ext uri="{BB962C8B-B14F-4D97-AF65-F5344CB8AC3E}">
-        <p14:creationId xmlns:p14="http://schemas.microsoft.com/office/powerpoint/2010/main" val="2097948831"/>
+        <p14:creationId xmlns:p14="http://schemas.microsoft.com/office/powerpoint/2010/main" val="2336215766"/>
       </p:ext>
     </p:extLst>
   </p:cSld>
@@ -6866,7 +6874,7 @@
           <p:nvPr>
             <p:extLst>
               <p:ext uri="{D42A27DB-BD31-4B8C-83A1-F6EECF244321}">
-                <p14:modId xmlns:p14="http://schemas.microsoft.com/office/powerpoint/2010/main" val="2302548295"/>
+                <p14:modId xmlns:p14="http://schemas.microsoft.com/office/powerpoint/2010/main" val="4150687134"/>
               </p:ext>
             </p:extLst>
           </p:nvPr>
@@ -10112,7 +10120,7 @@
     </p:spTree>
     <p:extLst>
       <p:ext uri="{BB962C8B-B14F-4D97-AF65-F5344CB8AC3E}">
-        <p14:creationId xmlns:p14="http://schemas.microsoft.com/office/powerpoint/2010/main" val="3024296209"/>
+        <p14:creationId xmlns:p14="http://schemas.microsoft.com/office/powerpoint/2010/main" val="582764436"/>
       </p:ext>
     </p:extLst>
   </p:cSld>
